--- a/DNN prototype.pptx
+++ b/DNN prototype.pptx
@@ -105,6 +105,11 @@
       </a:defRPr>
     </a:lvl9pPr>
   </p:defaultTextStyle>
+  <p:extLst>
+    <p:ext uri="{EFAFB233-063F-42B5-8137-9DF3F51BA10A}">
+      <p15:sldGuideLst xmlns:p15="http://schemas.microsoft.com/office/powerpoint/2012/main"/>
+    </p:ext>
+  </p:extLst>
 </p:presentation>
 </file>
 
@@ -4303,7 +4308,7 @@
           </p:nvSpPr>
           <p:spPr>
             <a:xfrm>
-              <a:off x="973649" y="2968664"/>
+              <a:off x="1016858" y="2523813"/>
               <a:ext cx="1168167" cy="947848"/>
             </a:xfrm>
             <a:prstGeom prst="rect">
@@ -4353,7 +4358,7 @@
           </p:nvSpPr>
           <p:spPr>
             <a:xfrm>
-              <a:off x="910206" y="3642078"/>
+              <a:off x="951409" y="3208031"/>
               <a:ext cx="1279321" cy="253916"/>
             </a:xfrm>
             <a:prstGeom prst="rect">
@@ -4389,7 +4394,7 @@
           </p:nvSpPr>
           <p:spPr>
             <a:xfrm>
-              <a:off x="961065" y="4164335"/>
+              <a:off x="996193" y="3767147"/>
               <a:ext cx="1168167" cy="947848"/>
             </a:xfrm>
             <a:prstGeom prst="rect">
@@ -4439,7 +4444,7 @@
           </p:nvSpPr>
           <p:spPr>
             <a:xfrm>
-              <a:off x="897622" y="4837749"/>
+              <a:off x="932750" y="4440561"/>
               <a:ext cx="1279321" cy="253916"/>
             </a:xfrm>
             <a:prstGeom prst="rect">
@@ -4489,7 +4494,7 @@
           </p:blipFill>
           <p:spPr>
             <a:xfrm>
-              <a:off x="1230820" y="3058109"/>
+              <a:off x="1274029" y="2613258"/>
               <a:ext cx="612923" cy="612923"/>
             </a:xfrm>
             <a:prstGeom prst="rect">
@@ -4525,7 +4530,7 @@
           </p:blipFill>
           <p:spPr>
             <a:xfrm>
-              <a:off x="1230820" y="4277347"/>
+              <a:off x="1265948" y="3880159"/>
               <a:ext cx="650408" cy="650408"/>
             </a:xfrm>
             <a:prstGeom prst="rect">
